--- a/web/static/file/swot_result.pptx
+++ b/web/static/file/swot_result.pptx
@@ -3171,6 +3171,46 @@
                         <a:t>優勢 (Strengths):</a:t>
                       </a:r>
                     </a:p>
+                    <a:p>
+                      <a:pPr>
+                        <a:defRPr sz="1400"/>
+                      </a:pPr>
+                      <a:r>
+                        <a:t>1.帶出了一支充滿創業創新精神、富有戰斗力的管理團隊</a:t>
+                      </a:r>
+                    </a:p>
+                    <a:p>
+                      <a:pPr>
+                        <a:defRPr sz="1400"/>
+                      </a:pPr>
+                      <a:r>
+                        <a:t>2.就是要培養領導能力強的團隊、把權力層層傳遞</a:t>
+                      </a:r>
+                    </a:p>
+                    <a:p>
+                      <a:pPr>
+                        <a:defRPr sz="1400"/>
+                      </a:pPr>
+                      <a:r>
+                        <a:t>3.產品性能指數是產品成本創新和價值創新程度的衡量工具</a:t>
+                      </a:r>
+                    </a:p>
+                    <a:p>
+                      <a:pPr>
+                        <a:defRPr sz="1400"/>
+                      </a:pPr>
+                      <a:r>
+                        <a:t>4.帶領京東方再次轉型：由顯示器制造商向全球領先的</a:t>
+                      </a:r>
+                    </a:p>
+                    <a:p>
+                      <a:pPr>
+                        <a:defRPr sz="1400"/>
+                      </a:pPr>
+                      <a:r>
+                        <a:t>5.這一曲線揭示了技術價值創造驅動對於提升企業價值的作用和影響</a:t>
+                      </a:r>
+                    </a:p>
                   </a:txBody>
                   <a:tcPr/>
                 </a:tc>
@@ -3204,7 +3244,39 @@
                         <a:defRPr sz="1400"/>
                       </a:pPr>
                       <a:r>
-                        <a:t>1.需要多多努力盼居中aaaa協調緩解好不五好雙方對立</a:t>
+                        <a:t>1.和各類有志於物聯網領域的企業和專業人士攜手合作</a:t>
+                      </a:r>
+                    </a:p>
+                    <a:p>
+                      <a:pPr>
+                        <a:defRPr sz="1400"/>
+                      </a:pPr>
+                      <a:r>
+                        <a:t>2.因為當今世界給了中國一個百年難逢的產業強國時代</a:t>
+                      </a:r>
+                    </a:p>
+                    <a:p>
+                      <a:pPr>
+                        <a:defRPr sz="1400"/>
+                      </a:pPr>
+                      <a:r>
+                        <a:t>3.殘缺完美的，需要各行各業各方人士的開放合作和協同創新</a:t>
+                      </a:r>
+                    </a:p>
+                    <a:p>
+                      <a:pPr>
+                        <a:defRPr sz="1400"/>
+                      </a:pPr>
+                      <a:r>
+                        <a:t>4.京東方創始人王東升（左）與新任董事長陳炎順（右）握手</a:t>
+                      </a:r>
+                    </a:p>
+                    <a:p>
+                      <a:pPr>
+                        <a:defRPr sz="1400"/>
+                      </a:pPr>
+                      <a:r>
+                        <a:t>5.重要節點、領域都扮演了重要角色、發揮了關鍵作用</a:t>
                       </a:r>
                     </a:p>
                   </a:txBody>
@@ -3218,6 +3290,14 @@
                     <a:p>
                       <a:r>
                         <a:t>威脅 (Threats):</a:t>
+                      </a:r>
+                    </a:p>
+                    <a:p>
+                      <a:pPr>
+                        <a:defRPr sz="1400"/>
+                      </a:pPr>
+                      <a:r>
+                        <a:t>1.京東方面臨全球經濟危機與產業衰退的雙重挑戰</a:t>
                       </a:r>
                     </a:p>
                   </a:txBody>

--- a/web/static/file/swot_result.pptx
+++ b/web/static/file/swot_result.pptx
@@ -3176,7 +3176,7 @@
                         <a:defRPr sz="1400"/>
                       </a:pPr>
                       <a:r>
-                        <a:t>1.帶出了一支充滿創業創新精神、富有戰斗力的管理團隊</a:t>
+                        <a:t>1.英格蘭的專家都是頂尖的</a:t>
                       </a:r>
                     </a:p>
                     <a:p>
@@ -3184,7 +3184,7 @@
                         <a:defRPr sz="1400"/>
                       </a:pPr>
                       <a:r>
-                        <a:t>2.就是要培養領導能力強的團隊、把權力層層傳遞</a:t>
+                        <a:t>2.要有傾聽他人說話的一份好奇與謙遜</a:t>
                       </a:r>
                     </a:p>
                     <a:p>
@@ -3192,7 +3192,7 @@
                         <a:defRPr sz="1400"/>
                       </a:pPr>
                       <a:r>
-                        <a:t>3.產品性能指數是產品成本創新和價值創新程度的衡量工具</a:t>
+                        <a:t>3.會有種心態：這本書說的道理很簡單啊</a:t>
                       </a:r>
                     </a:p>
                     <a:p>
@@ -3200,7 +3200,7 @@
                         <a:defRPr sz="1400"/>
                       </a:pPr>
                       <a:r>
-                        <a:t>4.帶領京東方再次轉型：由顯示器制造商向全球領先的</a:t>
+                        <a:t>4.溝通與資訊透明的好處</a:t>
                       </a:r>
                     </a:p>
                     <a:p>
@@ -3208,7 +3208,7 @@
                         <a:defRPr sz="1400"/>
                       </a:pPr>
                       <a:r>
-                        <a:t>5.這一曲線揭示了技術價值創造驅動對於提升企業價值的作用和影響</a:t>
+                        <a:t>5.我又再次反思了自己：如果我認同上面那段話</a:t>
                       </a:r>
                     </a:p>
                   </a:txBody>
@@ -3222,6 +3222,30 @@
                     <a:p>
                       <a:r>
                         <a:t>劣勢 (Weaknesses):</a:t>
+                      </a:r>
+                    </a:p>
+                    <a:p>
+                      <a:pPr>
+                        <a:defRPr sz="1400"/>
+                      </a:pPr>
+                      <a:r>
+                        <a:t>1.不應該是主管的事情</a:t>
+                      </a:r>
+                    </a:p>
+                    <a:p>
+                      <a:pPr>
+                        <a:defRPr sz="1400"/>
+                      </a:pPr>
+                      <a:r>
+                        <a:t>2.竟然是每個部門</a:t>
+                      </a:r>
+                    </a:p>
+                    <a:p>
+                      <a:pPr>
+                        <a:defRPr sz="1400"/>
+                      </a:pPr>
+                      <a:r>
+                        <a:t>3.分不同章節去看的</a:t>
                       </a:r>
                     </a:p>
                   </a:txBody>
@@ -3244,7 +3268,7 @@
                         <a:defRPr sz="1400"/>
                       </a:pPr>
                       <a:r>
-                        <a:t>1.和各類有志於物聯網領域的企業和專業人士攜手合作</a:t>
+                        <a:t>1.回顧整個金融危機</a:t>
                       </a:r>
                     </a:p>
                     <a:p>
@@ -3252,7 +3276,7 @@
                         <a:defRPr sz="1400"/>
                       </a:pPr>
                       <a:r>
-                        <a:t>2.因為當今世界給了中國一個百年難逢的產業強國時代</a:t>
+                        <a:t>2.沒人關心。於是造就了全球的金融危機</a:t>
                       </a:r>
                     </a:p>
                     <a:p>
@@ -3260,7 +3284,7 @@
                         <a:defRPr sz="1400"/>
                       </a:pPr>
                       <a:r>
-                        <a:t>3.殘缺完美的，需要各行各業各方人士的開放合作和協同創新</a:t>
+                        <a:t>3.任務不同。現美國與歐洲的高層金融監管機制</a:t>
                       </a:r>
                     </a:p>
                     <a:p>
@@ -3268,7 +3292,7 @@
                         <a:defRPr sz="1400"/>
                       </a:pPr>
                       <a:r>
-                        <a:t>4.京東方創始人王東升（左）與新任董事長陳炎順（右）握手</a:t>
+                        <a:t>4.金融市場的結果會不會不一樣?</a:t>
                       </a:r>
                     </a:p>
                     <a:p>
@@ -3276,7 +3300,7 @@
                         <a:defRPr sz="1400"/>
                       </a:pPr>
                       <a:r>
-                        <a:t>5.重要節點、領域都扮演了重要角色、發揮了關鍵作用</a:t>
+                        <a:t>5.公司各部門之間</a:t>
                       </a:r>
                     </a:p>
                   </a:txBody>
@@ -3290,14 +3314,6 @@
                     <a:p>
                       <a:r>
                         <a:t>威脅 (Threats):</a:t>
-                      </a:r>
-                    </a:p>
-                    <a:p>
-                      <a:pPr>
-                        <a:defRPr sz="1400"/>
-                      </a:pPr>
-                      <a:r>
-                        <a:t>1.京東方面臨全球經濟危機與產業衰退的雙重挑戰</a:t>
                       </a:r>
                     </a:p>
                   </a:txBody>

--- a/web/static/file/swot_result.pptx
+++ b/web/static/file/swot_result.pptx
@@ -3176,39 +3176,7 @@
                         <a:defRPr sz="1400"/>
                       </a:pPr>
                       <a:r>
-                        <a:t>1.英格蘭的專家都是頂尖的</a:t>
-                      </a:r>
-                    </a:p>
-                    <a:p>
-                      <a:pPr>
-                        <a:defRPr sz="1400"/>
-                      </a:pPr>
-                      <a:r>
-                        <a:t>2.要有傾聽他人說話的一份好奇與謙遜</a:t>
-                      </a:r>
-                    </a:p>
-                    <a:p>
-                      <a:pPr>
-                        <a:defRPr sz="1400"/>
-                      </a:pPr>
-                      <a:r>
-                        <a:t>3.會有種心態：這本書說的道理很簡單啊</a:t>
-                      </a:r>
-                    </a:p>
-                    <a:p>
-                      <a:pPr>
-                        <a:defRPr sz="1400"/>
-                      </a:pPr>
-                      <a:r>
-                        <a:t>4.溝通與資訊透明的好處</a:t>
-                      </a:r>
-                    </a:p>
-                    <a:p>
-                      <a:pPr>
-                        <a:defRPr sz="1400"/>
-                      </a:pPr>
-                      <a:r>
-                        <a:t>5.我又再次反思了自己：如果我認同上面那段話</a:t>
+                        <a:t>1.知識推薦，提高公司效率與獲利</a:t>
                       </a:r>
                     </a:p>
                   </a:txBody>
@@ -3224,30 +3192,6 @@
                         <a:t>劣勢 (Weaknesses):</a:t>
                       </a:r>
                     </a:p>
-                    <a:p>
-                      <a:pPr>
-                        <a:defRPr sz="1400"/>
-                      </a:pPr>
-                      <a:r>
-                        <a:t>1.不應該是主管的事情</a:t>
-                      </a:r>
-                    </a:p>
-                    <a:p>
-                      <a:pPr>
-                        <a:defRPr sz="1400"/>
-                      </a:pPr>
-                      <a:r>
-                        <a:t>2.竟然是每個部門</a:t>
-                      </a:r>
-                    </a:p>
-                    <a:p>
-                      <a:pPr>
-                        <a:defRPr sz="1400"/>
-                      </a:pPr>
-                      <a:r>
-                        <a:t>3.分不同章節去看的</a:t>
-                      </a:r>
-                    </a:p>
                   </a:txBody>
                   <a:tcPr/>
                 </a:tc>
@@ -3261,46 +3205,6 @@
                     <a:p>
                       <a:r>
                         <a:t>機會 (Opportunities):</a:t>
-                      </a:r>
-                    </a:p>
-                    <a:p>
-                      <a:pPr>
-                        <a:defRPr sz="1400"/>
-                      </a:pPr>
-                      <a:r>
-                        <a:t>1.回顧整個金融危機</a:t>
-                      </a:r>
-                    </a:p>
-                    <a:p>
-                      <a:pPr>
-                        <a:defRPr sz="1400"/>
-                      </a:pPr>
-                      <a:r>
-                        <a:t>2.沒人關心。於是造就了全球的金融危機</a:t>
-                      </a:r>
-                    </a:p>
-                    <a:p>
-                      <a:pPr>
-                        <a:defRPr sz="1400"/>
-                      </a:pPr>
-                      <a:r>
-                        <a:t>3.任務不同。現美國與歐洲的高層金融監管機制</a:t>
-                      </a:r>
-                    </a:p>
-                    <a:p>
-                      <a:pPr>
-                        <a:defRPr sz="1400"/>
-                      </a:pPr>
-                      <a:r>
-                        <a:t>4.金融市場的結果會不會不一樣?</a:t>
-                      </a:r>
-                    </a:p>
-                    <a:p>
-                      <a:pPr>
-                        <a:defRPr sz="1400"/>
-                      </a:pPr>
-                      <a:r>
-                        <a:t>5.公司各部門之間</a:t>
                       </a:r>
                     </a:p>
                   </a:txBody>
